--- a/Article/프로젝트후기/백준500문제달성/img/img.pptx
+++ b/Article/프로젝트후기/백준500문제달성/img/img.pptx
@@ -106,7 +106,18 @@
   </p:defaultTextStyle>
   <p:extLst>
     <p:ext uri="{EFAFB233-063F-42B5-8137-9DF3F51BA10A}">
-      <p15:sldGuideLst xmlns:p15="http://schemas.microsoft.com/office/powerpoint/2012/main"/>
+      <p15:sldGuideLst xmlns:p15="http://schemas.microsoft.com/office/powerpoint/2012/main">
+        <p15:guide id="1" orient="horz" pos="2160" userDrawn="1">
+          <p15:clr>
+            <a:srgbClr val="A4A3A4"/>
+          </p15:clr>
+        </p15:guide>
+        <p15:guide id="2" pos="3840" userDrawn="1">
+          <p15:clr>
+            <a:srgbClr val="A4A3A4"/>
+          </p15:clr>
+        </p15:guide>
+      </p15:sldGuideLst>
     </p:ext>
   </p:extLst>
 </p:presentation>
@@ -259,7 +270,7 @@
           <a:p>
             <a:fld id="{C77DAC18-4D7A-440A-AB03-2548D94861FC}" type="datetimeFigureOut">
               <a:rPr lang="ko-KR" altLang="en-US" smtClean="0"/>
-              <a:t>2020-10-31</a:t>
+              <a:t>2020-11-01</a:t>
             </a:fld>
             <a:endParaRPr lang="ko-KR" altLang="en-US"/>
           </a:p>
@@ -457,7 +468,7 @@
           <a:p>
             <a:fld id="{C77DAC18-4D7A-440A-AB03-2548D94861FC}" type="datetimeFigureOut">
               <a:rPr lang="ko-KR" altLang="en-US" smtClean="0"/>
-              <a:t>2020-10-31</a:t>
+              <a:t>2020-11-01</a:t>
             </a:fld>
             <a:endParaRPr lang="ko-KR" altLang="en-US"/>
           </a:p>
@@ -665,7 +676,7 @@
           <a:p>
             <a:fld id="{C77DAC18-4D7A-440A-AB03-2548D94861FC}" type="datetimeFigureOut">
               <a:rPr lang="ko-KR" altLang="en-US" smtClean="0"/>
-              <a:t>2020-10-31</a:t>
+              <a:t>2020-11-01</a:t>
             </a:fld>
             <a:endParaRPr lang="ko-KR" altLang="en-US"/>
           </a:p>
@@ -863,7 +874,7 @@
           <a:p>
             <a:fld id="{C77DAC18-4D7A-440A-AB03-2548D94861FC}" type="datetimeFigureOut">
               <a:rPr lang="ko-KR" altLang="en-US" smtClean="0"/>
-              <a:t>2020-10-31</a:t>
+              <a:t>2020-11-01</a:t>
             </a:fld>
             <a:endParaRPr lang="ko-KR" altLang="en-US"/>
           </a:p>
@@ -1138,7 +1149,7 @@
           <a:p>
             <a:fld id="{C77DAC18-4D7A-440A-AB03-2548D94861FC}" type="datetimeFigureOut">
               <a:rPr lang="ko-KR" altLang="en-US" smtClean="0"/>
-              <a:t>2020-10-31</a:t>
+              <a:t>2020-11-01</a:t>
             </a:fld>
             <a:endParaRPr lang="ko-KR" altLang="en-US"/>
           </a:p>
@@ -1403,7 +1414,7 @@
           <a:p>
             <a:fld id="{C77DAC18-4D7A-440A-AB03-2548D94861FC}" type="datetimeFigureOut">
               <a:rPr lang="ko-KR" altLang="en-US" smtClean="0"/>
-              <a:t>2020-10-31</a:t>
+              <a:t>2020-11-01</a:t>
             </a:fld>
             <a:endParaRPr lang="ko-KR" altLang="en-US"/>
           </a:p>
@@ -1815,7 +1826,7 @@
           <a:p>
             <a:fld id="{C77DAC18-4D7A-440A-AB03-2548D94861FC}" type="datetimeFigureOut">
               <a:rPr lang="ko-KR" altLang="en-US" smtClean="0"/>
-              <a:t>2020-10-31</a:t>
+              <a:t>2020-11-01</a:t>
             </a:fld>
             <a:endParaRPr lang="ko-KR" altLang="en-US"/>
           </a:p>
@@ -1956,7 +1967,7 @@
           <a:p>
             <a:fld id="{C77DAC18-4D7A-440A-AB03-2548D94861FC}" type="datetimeFigureOut">
               <a:rPr lang="ko-KR" altLang="en-US" smtClean="0"/>
-              <a:t>2020-10-31</a:t>
+              <a:t>2020-11-01</a:t>
             </a:fld>
             <a:endParaRPr lang="ko-KR" altLang="en-US"/>
           </a:p>
@@ -2069,7 +2080,7 @@
           <a:p>
             <a:fld id="{C77DAC18-4D7A-440A-AB03-2548D94861FC}" type="datetimeFigureOut">
               <a:rPr lang="ko-KR" altLang="en-US" smtClean="0"/>
-              <a:t>2020-10-31</a:t>
+              <a:t>2020-11-01</a:t>
             </a:fld>
             <a:endParaRPr lang="ko-KR" altLang="en-US"/>
           </a:p>
@@ -2380,7 +2391,7 @@
           <a:p>
             <a:fld id="{C77DAC18-4D7A-440A-AB03-2548D94861FC}" type="datetimeFigureOut">
               <a:rPr lang="ko-KR" altLang="en-US" smtClean="0"/>
-              <a:t>2020-10-31</a:t>
+              <a:t>2020-11-01</a:t>
             </a:fld>
             <a:endParaRPr lang="ko-KR" altLang="en-US"/>
           </a:p>
@@ -2668,7 +2679,7 @@
           <a:p>
             <a:fld id="{C77DAC18-4D7A-440A-AB03-2548D94861FC}" type="datetimeFigureOut">
               <a:rPr lang="ko-KR" altLang="en-US" smtClean="0"/>
-              <a:t>2020-10-31</a:t>
+              <a:t>2020-11-01</a:t>
             </a:fld>
             <a:endParaRPr lang="ko-KR" altLang="en-US"/>
           </a:p>
@@ -2909,7 +2920,7 @@
           <a:p>
             <a:fld id="{C77DAC18-4D7A-440A-AB03-2548D94861FC}" type="datetimeFigureOut">
               <a:rPr lang="ko-KR" altLang="en-US" smtClean="0"/>
-              <a:t>2020-10-31</a:t>
+              <a:t>2020-11-01</a:t>
             </a:fld>
             <a:endParaRPr lang="ko-KR" altLang="en-US"/>
           </a:p>
@@ -3362,7 +3373,7 @@
         </p:blipFill>
         <p:spPr>
           <a:xfrm>
-            <a:off x="4671777" y="1687143"/>
+            <a:off x="4671777" y="1677618"/>
             <a:ext cx="2848446" cy="2848446"/>
           </a:xfrm>
           <a:prstGeom prst="rect">
@@ -3384,8 +3395,8 @@
         </p:nvSpPr>
         <p:spPr>
           <a:xfrm>
-            <a:off x="3763477" y="4706754"/>
-            <a:ext cx="4822258" cy="707886"/>
+            <a:off x="3148563" y="4630554"/>
+            <a:ext cx="5894873" cy="707886"/>
           </a:xfrm>
           <a:prstGeom prst="rect">
             <a:avLst/>
@@ -3398,6 +3409,7 @@
           </a:bodyPr>
           <a:lstStyle/>
           <a:p>
+            <a:pPr algn="ctr"/>
             <a:r>
               <a:rPr lang="ko-KR" altLang="en-US" sz="4000">
                 <a:solidFill>
@@ -3426,7 +3438,7 @@
                 <a:latin typeface="여기어때 잘난체 OTF" panose="020B0600000101010101" pitchFamily="34" charset="-127"/>
                 <a:ea typeface="여기어때 잘난체 OTF" panose="020B0600000101010101" pitchFamily="34" charset="-127"/>
               </a:rPr>
-              <a:t>문제 풀이</a:t>
+              <a:t>문제 풀이 후기</a:t>
             </a:r>
           </a:p>
         </p:txBody>
